--- a/presentation/Guido-LV.pptx
+++ b/presentation/Guido-LV.pptx
@@ -240,7 +240,7 @@
           <a:p>
             <a:fld id="{70D4E0D8-320B-4569-BE6C-469D92E7587A}" type="datetimeFigureOut">
               <a:rPr lang="nl-NL" smtClean="0"/>
-              <a:t>14-12-2014</a:t>
+              <a:t>15-12-2014</a:t>
             </a:fld>
             <a:endParaRPr lang="nl-NL"/>
           </a:p>
@@ -2020,7 +2020,7 @@
           <a:p>
             <a:fld id="{5A069CB8-F204-4D06-B913-C5A26A89888A}" type="datetimeFigureOut">
               <a:rPr lang="en-US" dirty="0"/>
-              <a:t>12/14/2014</a:t>
+              <a:t>12/15/2014</a:t>
             </a:fld>
             <a:endParaRPr lang="en-US" dirty="0"/>
           </a:p>
@@ -2223,7 +2223,7 @@
           <a:p>
             <a:fld id="{50B6E300-0A13-4A81-945A-7333C271A069}" type="datetimeFigureOut">
               <a:rPr lang="en-US" dirty="0"/>
-              <a:t>12/14/2014</a:t>
+              <a:t>12/15/2014</a:t>
             </a:fld>
             <a:endParaRPr lang="en-US" dirty="0"/>
           </a:p>
@@ -2474,7 +2474,7 @@
           <a:p>
             <a:fld id="{34671962-1EA4-46E7-BCB0-F36CE46D1A59}" type="datetimeFigureOut">
               <a:rPr lang="en-US" dirty="0"/>
-              <a:t>12/14/2014</a:t>
+              <a:t>12/15/2014</a:t>
             </a:fld>
             <a:endParaRPr lang="en-US" dirty="0"/>
           </a:p>
@@ -2639,7 +2639,7 @@
           <a:p>
             <a:fld id="{D30BB376-B19C-488D-ABEB-03C7E6E9E3E0}" type="datetimeFigureOut">
               <a:rPr lang="en-US" dirty="0"/>
-              <a:t>12/14/2014</a:t>
+              <a:t>12/15/2014</a:t>
             </a:fld>
             <a:endParaRPr lang="en-US" dirty="0"/>
           </a:p>
@@ -2977,7 +2977,7 @@
           <a:p>
             <a:fld id="{486F077B-A50F-4D64-8574-E2D6A98A5553}" type="datetimeFigureOut">
               <a:rPr lang="en-US" dirty="0"/>
-              <a:t>12/14/2014</a:t>
+              <a:t>12/15/2014</a:t>
             </a:fld>
             <a:endParaRPr lang="en-US" dirty="0"/>
           </a:p>
@@ -3247,7 +3247,7 @@
           <a:p>
             <a:fld id="{7D9E2A62-1983-43A1-A163-D8AA46534C80}" type="datetimeFigureOut">
               <a:rPr lang="en-US" dirty="0"/>
-              <a:t>12/14/2014</a:t>
+              <a:t>12/15/2014</a:t>
             </a:fld>
             <a:endParaRPr lang="en-US" dirty="0"/>
           </a:p>
@@ -3621,7 +3621,7 @@
           <a:p>
             <a:fld id="{898F3E3B-34E3-4345-B2A1-994B83598A9C}" type="datetimeFigureOut">
               <a:rPr lang="en-US" dirty="0"/>
-              <a:t>12/14/2014</a:t>
+              <a:t>12/15/2014</a:t>
             </a:fld>
             <a:endParaRPr lang="en-US" dirty="0"/>
           </a:p>
@@ -3734,7 +3734,7 @@
           <a:p>
             <a:fld id="{FD816C96-82A1-4D77-8ADA-627AC6FE3D65}" type="datetimeFigureOut">
               <a:rPr lang="en-US" dirty="0"/>
-              <a:t>12/14/2014</a:t>
+              <a:t>12/15/2014</a:t>
             </a:fld>
             <a:endParaRPr lang="en-US" dirty="0"/>
           </a:p>
@@ -3900,7 +3900,7 @@
           <a:p>
             <a:fld id="{1D102C1E-28F2-47E9-802D-339E64E2F920}" type="datetimeFigureOut">
               <a:rPr lang="en-US" dirty="0"/>
-              <a:t>12/14/2014</a:t>
+              <a:t>12/15/2014</a:t>
             </a:fld>
             <a:endParaRPr lang="en-US" dirty="0"/>
           </a:p>
@@ -4250,7 +4250,7 @@
           <a:p>
             <a:fld id="{24271A48-F18A-45B3-BC05-1E27DA3F88AF}" type="datetimeFigureOut">
               <a:rPr lang="en-US" dirty="0"/>
-              <a:t>12/14/2014</a:t>
+              <a:t>12/15/2014</a:t>
             </a:fld>
             <a:endParaRPr lang="en-US" dirty="0"/>
           </a:p>
@@ -4623,7 +4623,7 @@
           <a:p>
             <a:fld id="{65B747F8-9654-4282-85D2-65F41AAE7A75}" type="datetimeFigureOut">
               <a:rPr lang="en-US" dirty="0"/>
-              <a:t>12/14/2014</a:t>
+              <a:t>12/15/2014</a:t>
             </a:fld>
             <a:endParaRPr lang="en-US" dirty="0"/>
           </a:p>
@@ -4905,7 +4905,7 @@
           <a:p>
             <a:fld id="{5DC5B261-8843-42D1-AAFC-05E20E2D9B97}" type="datetimeFigureOut">
               <a:rPr lang="en-US" dirty="0"/>
-              <a:t>12/14/2014</a:t>
+              <a:t>12/15/2014</a:t>
             </a:fld>
             <a:endParaRPr lang="en-US" dirty="0"/>
           </a:p>
@@ -6570,7 +6570,7 @@
           <a:noFill/>
           <a:extLst>
             <a:ext uri="{909E8E84-426E-40dd-AFC4-6F175D3DCCD1}">
-              <a14:hiddenFill xmlns:a14="http://schemas.microsoft.com/office/drawing/2010/main" xmlns="">
+              <a14:hiddenFill xmlns="" xmlns:a14="http://schemas.microsoft.com/office/drawing/2010/main">
                 <a:solidFill>
                   <a:srgbClr val="FFFFFF"/>
                 </a:solidFill>
@@ -6646,7 +6646,7 @@
           <a:noFill/>
           <a:extLst>
             <a:ext uri="{909E8E84-426E-40dd-AFC4-6F175D3DCCD1}">
-              <a14:hiddenFill xmlns:a14="http://schemas.microsoft.com/office/drawing/2010/main" xmlns="">
+              <a14:hiddenFill xmlns="" xmlns:a14="http://schemas.microsoft.com/office/drawing/2010/main">
                 <a:solidFill>
                   <a:srgbClr val="FFFFFF"/>
                 </a:solidFill>
@@ -6687,7 +6687,7 @@
           <a:noFill/>
           <a:extLst>
             <a:ext uri="{909E8E84-426E-40dd-AFC4-6F175D3DCCD1}">
-              <a14:hiddenFill xmlns:a14="http://schemas.microsoft.com/office/drawing/2010/main" xmlns="">
+              <a14:hiddenFill xmlns="" xmlns:a14="http://schemas.microsoft.com/office/drawing/2010/main">
                 <a:solidFill>
                   <a:srgbClr val="FFFFFF"/>
                 </a:solidFill>
@@ -7273,7 +7273,7 @@
           <a:noFill/>
           <a:extLst>
             <a:ext uri="{909E8E84-426E-40dd-AFC4-6F175D3DCCD1}">
-              <a14:hiddenFill xmlns:a14="http://schemas.microsoft.com/office/drawing/2010/main" xmlns="">
+              <a14:hiddenFill xmlns="" xmlns:a14="http://schemas.microsoft.com/office/drawing/2010/main">
                 <a:solidFill>
                   <a:srgbClr val="FFFFFF"/>
                 </a:solidFill>
@@ -7314,7 +7314,7 @@
           <a:noFill/>
           <a:extLst>
             <a:ext uri="{909E8E84-426E-40dd-AFC4-6F175D3DCCD1}">
-              <a14:hiddenFill xmlns:a14="http://schemas.microsoft.com/office/drawing/2010/main" xmlns="">
+              <a14:hiddenFill xmlns="" xmlns:a14="http://schemas.microsoft.com/office/drawing/2010/main">
                 <a:solidFill>
                   <a:srgbClr val="FFFFFF"/>
                 </a:solidFill>
@@ -7690,7 +7690,7 @@
           <a:noFill/>
           <a:extLst>
             <a:ext uri="{909E8E84-426E-40dd-AFC4-6F175D3DCCD1}">
-              <a14:hiddenFill xmlns:a14="http://schemas.microsoft.com/office/drawing/2010/main" xmlns="">
+              <a14:hiddenFill xmlns="" xmlns:a14="http://schemas.microsoft.com/office/drawing/2010/main">
                 <a:solidFill>
                   <a:srgbClr val="FFFFFF"/>
                 </a:solidFill>
@@ -7731,7 +7731,7 @@
           <a:noFill/>
           <a:extLst>
             <a:ext uri="{909E8E84-426E-40dd-AFC4-6F175D3DCCD1}">
-              <a14:hiddenFill xmlns:a14="http://schemas.microsoft.com/office/drawing/2010/main" xmlns="">
+              <a14:hiddenFill xmlns="" xmlns:a14="http://schemas.microsoft.com/office/drawing/2010/main">
                 <a:solidFill>
                   <a:srgbClr val="FFFFFF"/>
                 </a:solidFill>
@@ -7772,7 +7772,7 @@
           <a:noFill/>
           <a:extLst>
             <a:ext uri="{909E8E84-426E-40dd-AFC4-6F175D3DCCD1}">
-              <a14:hiddenFill xmlns:a14="http://schemas.microsoft.com/office/drawing/2010/main" xmlns="">
+              <a14:hiddenFill xmlns="" xmlns:a14="http://schemas.microsoft.com/office/drawing/2010/main">
                 <a:solidFill>
                   <a:srgbClr val="FFFFFF"/>
                 </a:solidFill>
@@ -7813,7 +7813,7 @@
           <a:noFill/>
           <a:extLst>
             <a:ext uri="{909E8E84-426E-40dd-AFC4-6F175D3DCCD1}">
-              <a14:hiddenFill xmlns:a14="http://schemas.microsoft.com/office/drawing/2010/main" xmlns="">
+              <a14:hiddenFill xmlns="" xmlns:a14="http://schemas.microsoft.com/office/drawing/2010/main">
                 <a:solidFill>
                   <a:srgbClr val="FFFFFF"/>
                 </a:solidFill>
@@ -8344,27 +8344,7 @@
                   </a:schemeClr>
                 </a:solidFill>
               </a:rPr>
-              <a:t>(Subject, </a:t>
-            </a:r>
-            <a:r>
-              <a:rPr lang="nl-NL" sz="2000" dirty="0" smtClean="0">
-                <a:solidFill>
-                  <a:schemeClr val="bg1">
-                    <a:lumMod val="65000"/>
-                  </a:schemeClr>
-                </a:solidFill>
-              </a:rPr>
-              <a:t>Difficulty, </a:t>
-            </a:r>
-            <a:r>
-              <a:rPr lang="nl-NL" sz="2000" dirty="0" smtClean="0">
-                <a:solidFill>
-                  <a:schemeClr val="bg1">
-                    <a:lumMod val="65000"/>
-                  </a:schemeClr>
-                </a:solidFill>
-              </a:rPr>
-              <a:t>Accumulative, Average, Standard Deviation, Peak count with varying tresholds)</a:t>
+              <a:t>(Subject, Difficulty, Accumulative, Average, Standard Deviation, Peak count with varying tresholds)</a:t>
             </a:r>
             <a:endParaRPr lang="nl-NL" sz="2000" dirty="0">
               <a:solidFill>
@@ -8661,7 +8641,7 @@
           </a:effectLst>
           <a:extLst>
             <a:ext uri="{909E8E84-426E-40dd-AFC4-6F175D3DCCD1}">
-              <a14:hiddenFill xmlns:a14="http://schemas.microsoft.com/office/drawing/2010/main" xmlns="">
+              <a14:hiddenFill xmlns="" xmlns:a14="http://schemas.microsoft.com/office/drawing/2010/main">
                 <a:solidFill>
                   <a:srgbClr val="FFFFFF"/>
                 </a:solidFill>
@@ -8702,7 +8682,7 @@
           <a:noFill/>
           <a:extLst>
             <a:ext uri="{909E8E84-426E-40dd-AFC4-6F175D3DCCD1}">
-              <a14:hiddenFill xmlns:a14="http://schemas.microsoft.com/office/drawing/2010/main" xmlns="">
+              <a14:hiddenFill xmlns="" xmlns:a14="http://schemas.microsoft.com/office/drawing/2010/main">
                 <a:solidFill>
                   <a:srgbClr val="FFFFFF"/>
                 </a:solidFill>
@@ -8764,7 +8744,7 @@
         <p:spPr>
           <a:xfrm>
             <a:off x="1022226" y="3753167"/>
-            <a:ext cx="6107569" cy="1200329"/>
+            <a:ext cx="5023106" cy="1200329"/>
           </a:xfrm>
           <a:prstGeom prst="rect">
             <a:avLst/>
@@ -8792,7 +8772,11 @@
             </a:pPr>
             <a:r>
               <a:rPr lang="nl-NL" dirty="0" smtClean="0"/>
-              <a:t>Allows for easily trying multiple classifier training algorithms</a:t>
+              <a:t>Easy to try multiple </a:t>
+            </a:r>
+            <a:r>
+              <a:rPr lang="nl-NL" dirty="0" smtClean="0"/>
+              <a:t>classifier training algorithms</a:t>
             </a:r>
           </a:p>
           <a:p>
@@ -10889,11 +10873,6 @@
               </a:rPr>
               <a:t>data</a:t>
             </a:r>
-            <a:endParaRPr lang="nl-NL" dirty="0" smtClean="0">
-              <a:solidFill>
-                <a:schemeClr val="tx1"/>
-              </a:solidFill>
-            </a:endParaRPr>
           </a:p>
           <a:p>
             <a:pPr marL="201168" lvl="1" indent="0">
@@ -11049,11 +11028,7 @@
             </a:r>
             <a:r>
               <a:rPr lang="nl-NL" dirty="0" smtClean="0"/>
-              <a:t>Next up is seeing whether I can improve this </a:t>
-            </a:r>
-            <a:r>
-              <a:rPr lang="nl-NL" dirty="0" smtClean="0"/>
-              <a:t>classification</a:t>
+              <a:t>Next up is seeing whether I can improve this classification</a:t>
             </a:r>
             <a:endParaRPr lang="nl-NL" dirty="0"/>
           </a:p>
@@ -11211,7 +11186,7 @@
           <a:noFill/>
           <a:extLst>
             <a:ext uri="{909E8E84-426E-40dd-AFC4-6F175D3DCCD1}">
-              <a14:hiddenFill xmlns:a14="http://schemas.microsoft.com/office/drawing/2010/main" xmlns="">
+              <a14:hiddenFill xmlns="" xmlns:a14="http://schemas.microsoft.com/office/drawing/2010/main">
                 <a:solidFill>
                   <a:srgbClr val="FFFFFF"/>
                 </a:solidFill>
@@ -11310,7 +11285,7 @@
           <a:noFill/>
           <a:extLst>
             <a:ext uri="{909E8E84-426E-40dd-AFC4-6F175D3DCCD1}">
-              <a14:hiddenFill xmlns:a14="http://schemas.microsoft.com/office/drawing/2010/main" xmlns="">
+              <a14:hiddenFill xmlns="" xmlns:a14="http://schemas.microsoft.com/office/drawing/2010/main">
                 <a:solidFill>
                   <a:srgbClr val="FFFFFF"/>
                 </a:solidFill>
@@ -11351,7 +11326,7 @@
           <a:noFill/>
           <a:extLst>
             <a:ext uri="{909E8E84-426E-40dd-AFC4-6F175D3DCCD1}">
-              <a14:hiddenFill xmlns:a14="http://schemas.microsoft.com/office/drawing/2010/main" xmlns="">
+              <a14:hiddenFill xmlns="" xmlns:a14="http://schemas.microsoft.com/office/drawing/2010/main">
                 <a:solidFill>
                   <a:srgbClr val="FFFFFF"/>
                 </a:solidFill>
@@ -12323,8 +12298,8 @@
         </p:nvSpPr>
         <p:spPr>
           <a:xfrm>
-            <a:off x="2752446" y="5778244"/>
-            <a:ext cx="8182787" cy="590320"/>
+            <a:off x="1996752" y="5778244"/>
+            <a:ext cx="8938482" cy="590320"/>
           </a:xfrm>
           <a:prstGeom prst="rect">
             <a:avLst/>
@@ -12583,7 +12558,15 @@
           <a:p>
             <a:r>
               <a:rPr lang="nl-NL" sz="2400" dirty="0" smtClean="0"/>
-              <a:t>Measuring often not mutually exclusive</a:t>
+              <a:t>Measuring </a:t>
+            </a:r>
+            <a:r>
+              <a:rPr lang="nl-NL" sz="2400" dirty="0" smtClean="0"/>
+              <a:t>these is often </a:t>
+            </a:r>
+            <a:r>
+              <a:rPr lang="nl-NL" sz="2400" dirty="0" smtClean="0"/>
+              <a:t>not mutually exclusive</a:t>
             </a:r>
             <a:endParaRPr lang="nl-NL" sz="2400" dirty="0"/>
           </a:p>
@@ -12621,7 +12604,7 @@
           <a:noFill/>
           <a:extLst>
             <a:ext uri="{909E8E84-426E-40dd-AFC4-6F175D3DCCD1}">
-              <a14:hiddenFill xmlns:a14="http://schemas.microsoft.com/office/drawing/2010/main" xmlns="">
+              <a14:hiddenFill xmlns="" xmlns:a14="http://schemas.microsoft.com/office/drawing/2010/main">
                 <a:solidFill>
                   <a:srgbClr val="FFFFFF"/>
                 </a:solidFill>
@@ -12662,7 +12645,7 @@
           <a:noFill/>
           <a:extLst>
             <a:ext uri="{909E8E84-426E-40dd-AFC4-6F175D3DCCD1}">
-              <a14:hiddenFill xmlns:a14="http://schemas.microsoft.com/office/drawing/2010/main" xmlns="">
+              <a14:hiddenFill xmlns="" xmlns:a14="http://schemas.microsoft.com/office/drawing/2010/main">
                 <a:solidFill>
                   <a:srgbClr val="FFFFFF"/>
                 </a:solidFill>
@@ -12740,7 +12723,7 @@
           <a:noFill/>
           <a:extLst>
             <a:ext uri="{909E8E84-426E-40dd-AFC4-6F175D3DCCD1}">
-              <a14:hiddenFill xmlns:a14="http://schemas.microsoft.com/office/drawing/2010/main" xmlns="">
+              <a14:hiddenFill xmlns="" xmlns:a14="http://schemas.microsoft.com/office/drawing/2010/main">
                 <a:solidFill>
                   <a:srgbClr val="FFFFFF"/>
                 </a:solidFill>
@@ -13712,7 +13695,7 @@
           <a:noFill/>
           <a:extLst>
             <a:ext uri="{909E8E84-426E-40dd-AFC4-6F175D3DCCD1}">
-              <a14:hiddenFill xmlns:a14="http://schemas.microsoft.com/office/drawing/2010/main" xmlns="">
+              <a14:hiddenFill xmlns="" xmlns:a14="http://schemas.microsoft.com/office/drawing/2010/main">
                 <a:solidFill>
                   <a:srgbClr val="FFFFFF"/>
                 </a:solidFill>
@@ -13808,12 +13791,27 @@
           <a:p>
             <a:r>
               <a:rPr lang="en-US" dirty="0" smtClean="0"/>
-              <a:t>Small voltage applied to electrodes, flowing current measured</a:t>
+              <a:t>Small voltage applied to electrodes, flowing current </a:t>
+            </a:r>
+            <a:r>
+              <a:rPr lang="en-US" dirty="0" smtClean="0"/>
+              <a:t>measured</a:t>
+            </a:r>
+          </a:p>
+          <a:p>
+            <a:r>
+              <a:rPr lang="en-US" dirty="0" smtClean="0"/>
+              <a:t>Unit of measurement: </a:t>
+            </a:r>
+            <a:r>
+              <a:rPr lang="el-GR" dirty="0"/>
+              <a:t>μ</a:t>
+            </a:r>
+            <a:r>
+              <a:rPr lang="nl-NL" dirty="0" smtClean="0"/>
+              <a:t>S (microsiemens)</a:t>
             </a:r>
             <a:endParaRPr lang="en-US" dirty="0"/>
-          </a:p>
-          <a:p>
-            <a:endParaRPr lang="en-US" dirty="0" smtClean="0"/>
           </a:p>
           <a:p>
             <a:pPr marL="0" indent="0">
@@ -13885,7 +13883,7 @@
           <a:noFill/>
           <a:extLst>
             <a:ext uri="{909E8E84-426E-40dd-AFC4-6F175D3DCCD1}">
-              <a14:hiddenFill xmlns:a14="http://schemas.microsoft.com/office/drawing/2010/main" xmlns="">
+              <a14:hiddenFill xmlns="" xmlns:a14="http://schemas.microsoft.com/office/drawing/2010/main">
                 <a:solidFill>
                   <a:srgbClr val="FFFFFF"/>
                 </a:solidFill>
@@ -13902,8 +13900,47 @@
           </p:cNvPicPr>
           <p:nvPr/>
         </p:nvPicPr>
+        <p:blipFill rotWithShape="1">
+          <a:blip r:embed="rId4">
+            <a:extLst>
+              <a:ext uri="{28A0092B-C50C-407E-A947-70E740481C1C}">
+                <a14:useLocalDpi xmlns:a14="http://schemas.microsoft.com/office/drawing/2010/main" val="0"/>
+              </a:ext>
+            </a:extLst>
+          </a:blip>
+          <a:srcRect t="3350"/>
+          <a:stretch/>
+        </p:blipFill>
+        <p:spPr bwMode="auto">
+          <a:xfrm>
+            <a:off x="6850184" y="4427659"/>
+            <a:ext cx="5341816" cy="2430341"/>
+          </a:xfrm>
+          <a:prstGeom prst="rect">
+            <a:avLst/>
+          </a:prstGeom>
+          <a:noFill/>
+          <a:extLst>
+            <a:ext uri="{909E8E84-426E-40dd-AFC4-6F175D3DCCD1}">
+              <a14:hiddenFill xmlns="" xmlns:a14="http://schemas.microsoft.com/office/drawing/2010/main">
+                <a:solidFill>
+                  <a:srgbClr val="FFFFFF"/>
+                </a:solidFill>
+              </a14:hiddenFill>
+            </a:ext>
+          </a:extLst>
+        </p:spPr>
+      </p:pic>
+      <p:pic>
+        <p:nvPicPr>
+          <p:cNvPr id="1026" name="Picture 2" descr="http://i.dailymail.co.uk/i/pix/2012/06/12/article-2158142-13925C1C000005DC-700_243x264.jpg"/>
+          <p:cNvPicPr>
+            <a:picLocks noChangeAspect="1" noChangeArrowheads="1"/>
+          </p:cNvPicPr>
+          <p:nvPr/>
+        </p:nvPicPr>
         <p:blipFill>
-          <a:blip r:embed="rId4">
+          <a:blip r:embed="rId5">
             <a:extLst>
               <a:ext uri="{28A0092B-C50C-407E-A947-70E740481C1C}">
                 <a14:useLocalDpi xmlns:a14="http://schemas.microsoft.com/office/drawing/2010/main" val="0"/>
@@ -13917,16 +13954,16 @@
         </p:blipFill>
         <p:spPr bwMode="auto">
           <a:xfrm>
-            <a:off x="8675033" y="4404766"/>
-            <a:ext cx="3177093" cy="1495579"/>
+            <a:off x="4688604" y="4509616"/>
+            <a:ext cx="2161580" cy="2348384"/>
           </a:xfrm>
           <a:prstGeom prst="rect">
             <a:avLst/>
           </a:prstGeom>
           <a:noFill/>
           <a:extLst>
-            <a:ext uri="{909E8E84-426E-40dd-AFC4-6F175D3DCCD1}">
-              <a14:hiddenFill xmlns:a14="http://schemas.microsoft.com/office/drawing/2010/main" xmlns="">
+            <a:ext uri="{909E8E84-426E-40DD-AFC4-6F175D3DCCD1}">
+              <a14:hiddenFill xmlns:a14="http://schemas.microsoft.com/office/drawing/2010/main">
                 <a:solidFill>
                   <a:srgbClr val="FFFFFF"/>
                 </a:solidFill>
@@ -14164,7 +14201,11 @@
             </a:pPr>
             <a:r>
               <a:rPr lang="nl-NL" dirty="0" smtClean="0"/>
-              <a:t>Measure GSR data using tasks with varying difficulty</a:t>
+              <a:t> Measure </a:t>
+            </a:r>
+            <a:r>
+              <a:rPr lang="nl-NL" dirty="0" smtClean="0"/>
+              <a:t>GSR data using tasks with varying difficulty</a:t>
             </a:r>
           </a:p>
           <a:p>
